--- a/Telecom Customer Churn.pptx
+++ b/Telecom Customer Churn.pptx
@@ -7,6 +7,11 @@
   <p:sldIdLst>
     <p:sldId id="256" r:id="rId6"/>
     <p:sldId id="257" r:id="rId7"/>
+    <p:sldId id="258" r:id="rId8"/>
+    <p:sldId id="259" r:id="rId9"/>
+    <p:sldId id="260" r:id="rId10"/>
+    <p:sldId id="261" r:id="rId11"/>
+    <p:sldId id="262" r:id="rId12"/>
   </p:sldIdLst>
   <p:sldSz cx="12192000" cy="6858000"/>
   <p:notesSz cx="6858000" cy="9144000"/>
@@ -3327,7 +3332,7 @@
           <p:cNvPr id="0" name="slide1">
             <a:extLst>
               <a:ext uri="{FF2B5EF4-FFF2-40B4-BE49-F238E27FC236}">
-                <a16:creationId xmlns:a16="http://schemas.microsoft.com/office/drawing/2014/main" id="{FEC82B74-4F39-4F2A-B6C8-41D6E63BD956}"/>
+                <a16:creationId xmlns:a16="http://schemas.microsoft.com/office/drawing/2014/main" id="{1E24BF97-3BE6-4902-8DE1-499DE1F0F7DE}"/>
               </a:ext>
             </a:extLst>
           </p:cNvPr>
@@ -3355,7 +3360,7 @@
           <p:cNvPr id="1" name="slide1">
             <a:extLst>
               <a:ext uri="{FF2B5EF4-FFF2-40B4-BE49-F238E27FC236}">
-                <a16:creationId xmlns:a16="http://schemas.microsoft.com/office/drawing/2014/main" id="{343237D4-55DB-4854-8FAD-F80BB3D65994}"/>
+                <a16:creationId xmlns:a16="http://schemas.microsoft.com/office/drawing/2014/main" id="{CA409171-D86B-4B97-BD05-B3492950D2E2}"/>
               </a:ext>
             </a:extLst>
           </p:cNvPr>
@@ -3373,7 +3378,7 @@
           <a:p>
             <a:r>
               <a:rPr/>
-              <a:t>File created on: 01-03-2025 22:33:01</a:t>
+              <a:t>File created on: 02-03-2025 01:25:16</a:t>
             </a:r>
           </a:p>
         </p:txBody>
@@ -3410,10 +3415,10 @@
       </p:grpSpPr>
       <p:pic>
         <p:nvPicPr>
-          <p:cNvPr descr="Telecom Customer Churn" id="2" name="slide2">
-            <a:extLst>
-              <a:ext uri="{FF2B5EF4-FFF2-40B4-BE49-F238E27FC236}">
-                <a16:creationId xmlns:a16="http://schemas.microsoft.com/office/drawing/2014/main" id="{3225E857-B9C8-4253-9B3D-010131995A68}"/>
+          <p:cNvPr descr="Churn Rate Overview (Pie Chart)" id="2" name="slide2">
+            <a:extLst>
+              <a:ext uri="{FF2B5EF4-FFF2-40B4-BE49-F238E27FC236}">
+                <a16:creationId xmlns:a16="http://schemas.microsoft.com/office/drawing/2014/main" id="{DB1F1AA8-0683-4BC7-8226-E376C713F9B3}"/>
               </a:ext>
             </a:extLst>
           </p:cNvPr>
@@ -3424,6 +3429,336 @@
         </p:nvPicPr>
         <p:blipFill>
           <a:blip r:embed="rId7">
+            <a:extLst>
+              <a:ext uri="{28A0092B-C50C-407E-A947-70E740481C1C}">
+                <a14:useLocalDpi xmlns:a14="http://schemas.microsoft.com/office/drawing/2010/main" val="0"/>
+              </a:ext>
+            </a:extLst>
+          </a:blip>
+          <a:stretch>
+            <a:fillRect/>
+          </a:stretch>
+        </p:blipFill>
+        <p:spPr>
+          <a:xfrm>
+            <a:off x="1954206" y="0"/>
+            <a:ext cx="8283586" cy="6858000"/>
+          </a:xfrm>
+          <a:prstGeom prst="rect">
+            <a:avLst/>
+          </a:prstGeom>
+        </p:spPr>
+      </p:pic>
+    </p:spTree>
+    <p:extLst>
+      <p:ext uri="{BB962C8B-B14F-4D97-AF65-F5344CB8AC3E}">
+        <p14:creationId xmlns:p14="http://schemas.microsoft.com/office/powerpoint/2010/main" val="95992585"/>
+      </p:ext>
+    </p:extLst>
+  </p:cSld>
+  <p:clrMapOvr>
+    <a:masterClrMapping/>
+  </p:clrMapOvr>
+</p:sld>
+</file>
+
+<file path=ppt/slides/slide3.xml><?xml version="1.0" encoding="utf-8"?>
+<p:sld xmlns:a="http://schemas.openxmlformats.org/drawingml/2006/main" xmlns:p="http://schemas.openxmlformats.org/presentationml/2006/main" xmlns:r="http://schemas.openxmlformats.org/officeDocument/2006/relationships">
+  <p:cSld>
+    <p:spTree>
+      <p:nvGrpSpPr>
+        <p:cNvPr id="1" name=""/>
+        <p:cNvGrpSpPr/>
+        <p:nvPr/>
+      </p:nvGrpSpPr>
+      <p:grpSpPr>
+        <a:xfrm>
+          <a:off x="0" y="0"/>
+          <a:ext cx="0" cy="0"/>
+          <a:chOff x="0" y="0"/>
+          <a:chExt cx="0" cy="0"/>
+        </a:xfrm>
+      </p:grpSpPr>
+      <p:pic>
+        <p:nvPicPr>
+          <p:cNvPr descr="Churn by Contract Type (Bar Chart)" id="3" name="slide3">
+            <a:extLst>
+              <a:ext uri="{FF2B5EF4-FFF2-40B4-BE49-F238E27FC236}">
+                <a16:creationId xmlns:a16="http://schemas.microsoft.com/office/drawing/2014/main" id="{79CB2DDB-C612-4FEA-9B27-AB1680B4E5A3}"/>
+              </a:ext>
+            </a:extLst>
+          </p:cNvPr>
+          <p:cNvPicPr>
+            <a:picLocks noChangeAspect="1"/>
+          </p:cNvPicPr>
+          <p:nvPr/>
+        </p:nvPicPr>
+        <p:blipFill>
+          <a:blip r:embed="rId8">
+            <a:extLst>
+              <a:ext uri="{28A0092B-C50C-407E-A947-70E740481C1C}">
+                <a14:useLocalDpi xmlns:a14="http://schemas.microsoft.com/office/drawing/2010/main" val="0"/>
+              </a:ext>
+            </a:extLst>
+          </a:blip>
+          <a:stretch>
+            <a:fillRect/>
+          </a:stretch>
+        </p:blipFill>
+        <p:spPr>
+          <a:xfrm>
+            <a:off x="1627909" y="0"/>
+            <a:ext cx="8936182" cy="6858000"/>
+          </a:xfrm>
+          <a:prstGeom prst="rect">
+            <a:avLst/>
+          </a:prstGeom>
+        </p:spPr>
+      </p:pic>
+    </p:spTree>
+    <p:extLst>
+      <p:ext uri="{BB962C8B-B14F-4D97-AF65-F5344CB8AC3E}">
+        <p14:creationId xmlns:p14="http://schemas.microsoft.com/office/powerpoint/2010/main" val="95992585"/>
+      </p:ext>
+    </p:extLst>
+  </p:cSld>
+  <p:clrMapOvr>
+    <a:masterClrMapping/>
+  </p:clrMapOvr>
+</p:sld>
+</file>
+
+<file path=ppt/slides/slide4.xml><?xml version="1.0" encoding="utf-8"?>
+<p:sld xmlns:a="http://schemas.openxmlformats.org/drawingml/2006/main" xmlns:p="http://schemas.openxmlformats.org/presentationml/2006/main" xmlns:r="http://schemas.openxmlformats.org/officeDocument/2006/relationships">
+  <p:cSld>
+    <p:spTree>
+      <p:nvGrpSpPr>
+        <p:cNvPr id="1" name=""/>
+        <p:cNvGrpSpPr/>
+        <p:nvPr/>
+      </p:nvGrpSpPr>
+      <p:grpSpPr>
+        <a:xfrm>
+          <a:off x="0" y="0"/>
+          <a:ext cx="0" cy="0"/>
+          <a:chOff x="0" y="0"/>
+          <a:chExt cx="0" cy="0"/>
+        </a:xfrm>
+      </p:grpSpPr>
+      <p:pic>
+        <p:nvPicPr>
+          <p:cNvPr descr="Churn by Monthly Charges (Box Plot)" id="4" name="slide4">
+            <a:extLst>
+              <a:ext uri="{FF2B5EF4-FFF2-40B4-BE49-F238E27FC236}">
+                <a16:creationId xmlns:a16="http://schemas.microsoft.com/office/drawing/2014/main" id="{8435214C-8238-4710-A425-E34F840330C0}"/>
+              </a:ext>
+            </a:extLst>
+          </p:cNvPr>
+          <p:cNvPicPr>
+            <a:picLocks noChangeAspect="1"/>
+          </p:cNvPicPr>
+          <p:nvPr/>
+        </p:nvPicPr>
+        <p:blipFill>
+          <a:blip r:embed="rId9">
+            <a:extLst>
+              <a:ext uri="{28A0092B-C50C-407E-A947-70E740481C1C}">
+                <a14:useLocalDpi xmlns:a14="http://schemas.microsoft.com/office/drawing/2010/main" val="0"/>
+              </a:ext>
+            </a:extLst>
+          </a:blip>
+          <a:stretch>
+            <a:fillRect/>
+          </a:stretch>
+        </p:blipFill>
+        <p:spPr>
+          <a:xfrm>
+            <a:off x="1739103" y="0"/>
+            <a:ext cx="8713793" cy="6858000"/>
+          </a:xfrm>
+          <a:prstGeom prst="rect">
+            <a:avLst/>
+          </a:prstGeom>
+        </p:spPr>
+      </p:pic>
+    </p:spTree>
+    <p:extLst>
+      <p:ext uri="{BB962C8B-B14F-4D97-AF65-F5344CB8AC3E}">
+        <p14:creationId xmlns:p14="http://schemas.microsoft.com/office/powerpoint/2010/main" val="95992585"/>
+      </p:ext>
+    </p:extLst>
+  </p:cSld>
+  <p:clrMapOvr>
+    <a:masterClrMapping/>
+  </p:clrMapOvr>
+</p:sld>
+</file>
+
+<file path=ppt/slides/slide5.xml><?xml version="1.0" encoding="utf-8"?>
+<p:sld xmlns:a="http://schemas.openxmlformats.org/drawingml/2006/main" xmlns:p="http://schemas.openxmlformats.org/presentationml/2006/main" xmlns:r="http://schemas.openxmlformats.org/officeDocument/2006/relationships">
+  <p:cSld>
+    <p:spTree>
+      <p:nvGrpSpPr>
+        <p:cNvPr id="1" name=""/>
+        <p:cNvGrpSpPr/>
+        <p:nvPr/>
+      </p:nvGrpSpPr>
+      <p:grpSpPr>
+        <a:xfrm>
+          <a:off x="0" y="0"/>
+          <a:ext cx="0" cy="0"/>
+          <a:chOff x="0" y="0"/>
+          <a:chExt cx="0" cy="0"/>
+        </a:xfrm>
+      </p:grpSpPr>
+      <p:pic>
+        <p:nvPicPr>
+          <p:cNvPr descr="Churn by Internet Service Type (Stacked Bar Chart)" id="5" name="slide5">
+            <a:extLst>
+              <a:ext uri="{FF2B5EF4-FFF2-40B4-BE49-F238E27FC236}">
+                <a16:creationId xmlns:a16="http://schemas.microsoft.com/office/drawing/2014/main" id="{DEEA65E1-436C-46D1-8EEF-405872D4E250}"/>
+              </a:ext>
+            </a:extLst>
+          </p:cNvPr>
+          <p:cNvPicPr>
+            <a:picLocks noChangeAspect="1"/>
+          </p:cNvPicPr>
+          <p:nvPr/>
+        </p:nvPicPr>
+        <p:blipFill>
+          <a:blip r:embed="rId10">
+            <a:extLst>
+              <a:ext uri="{28A0092B-C50C-407E-A947-70E740481C1C}">
+                <a14:useLocalDpi xmlns:a14="http://schemas.microsoft.com/office/drawing/2010/main" val="0"/>
+              </a:ext>
+            </a:extLst>
+          </a:blip>
+          <a:stretch>
+            <a:fillRect/>
+          </a:stretch>
+        </p:blipFill>
+        <p:spPr>
+          <a:xfrm>
+            <a:off x="1954206" y="0"/>
+            <a:ext cx="8283586" cy="6858000"/>
+          </a:xfrm>
+          <a:prstGeom prst="rect">
+            <a:avLst/>
+          </a:prstGeom>
+        </p:spPr>
+      </p:pic>
+    </p:spTree>
+    <p:extLst>
+      <p:ext uri="{BB962C8B-B14F-4D97-AF65-F5344CB8AC3E}">
+        <p14:creationId xmlns:p14="http://schemas.microsoft.com/office/powerpoint/2010/main" val="95992585"/>
+      </p:ext>
+    </p:extLst>
+  </p:cSld>
+  <p:clrMapOvr>
+    <a:masterClrMapping/>
+  </p:clrMapOvr>
+</p:sld>
+</file>
+
+<file path=ppt/slides/slide6.xml><?xml version="1.0" encoding="utf-8"?>
+<p:sld xmlns:a="http://schemas.openxmlformats.org/drawingml/2006/main" xmlns:p="http://schemas.openxmlformats.org/presentationml/2006/main" xmlns:r="http://schemas.openxmlformats.org/officeDocument/2006/relationships">
+  <p:cSld>
+    <p:spTree>
+      <p:nvGrpSpPr>
+        <p:cNvPr id="1" name=""/>
+        <p:cNvGrpSpPr/>
+        <p:nvPr/>
+      </p:nvGrpSpPr>
+      <p:grpSpPr>
+        <a:xfrm>
+          <a:off x="0" y="0"/>
+          <a:ext cx="0" cy="0"/>
+          <a:chOff x="0" y="0"/>
+          <a:chExt cx="0" cy="0"/>
+        </a:xfrm>
+      </p:grpSpPr>
+      <p:pic>
+        <p:nvPicPr>
+          <p:cNvPr descr="Churn by Payment Method (Heatmap)" id="6" name="slide6">
+            <a:extLst>
+              <a:ext uri="{FF2B5EF4-FFF2-40B4-BE49-F238E27FC236}">
+                <a16:creationId xmlns:a16="http://schemas.microsoft.com/office/drawing/2014/main" id="{99567DC8-2959-42A4-9539-3B3CB071C807}"/>
+              </a:ext>
+            </a:extLst>
+          </p:cNvPr>
+          <p:cNvPicPr>
+            <a:picLocks noChangeAspect="1"/>
+          </p:cNvPicPr>
+          <p:nvPr/>
+        </p:nvPicPr>
+        <p:blipFill>
+          <a:blip r:embed="rId11">
+            <a:extLst>
+              <a:ext uri="{28A0092B-C50C-407E-A947-70E740481C1C}">
+                <a14:useLocalDpi xmlns:a14="http://schemas.microsoft.com/office/drawing/2010/main" val="0"/>
+              </a:ext>
+            </a:extLst>
+          </a:blip>
+          <a:stretch>
+            <a:fillRect/>
+          </a:stretch>
+        </p:blipFill>
+        <p:spPr>
+          <a:xfrm>
+            <a:off x="1840056" y="0"/>
+            <a:ext cx="8511887" cy="6858000"/>
+          </a:xfrm>
+          <a:prstGeom prst="rect">
+            <a:avLst/>
+          </a:prstGeom>
+        </p:spPr>
+      </p:pic>
+    </p:spTree>
+    <p:extLst>
+      <p:ext uri="{BB962C8B-B14F-4D97-AF65-F5344CB8AC3E}">
+        <p14:creationId xmlns:p14="http://schemas.microsoft.com/office/powerpoint/2010/main" val="95992585"/>
+      </p:ext>
+    </p:extLst>
+  </p:cSld>
+  <p:clrMapOvr>
+    <a:masterClrMapping/>
+  </p:clrMapOvr>
+</p:sld>
+</file>
+
+<file path=ppt/slides/slide7.xml><?xml version="1.0" encoding="utf-8"?>
+<p:sld xmlns:a="http://schemas.openxmlformats.org/drawingml/2006/main" xmlns:p="http://schemas.openxmlformats.org/presentationml/2006/main" xmlns:r="http://schemas.openxmlformats.org/officeDocument/2006/relationships">
+  <p:cSld>
+    <p:spTree>
+      <p:nvGrpSpPr>
+        <p:cNvPr id="1" name=""/>
+        <p:cNvGrpSpPr/>
+        <p:nvPr/>
+      </p:nvGrpSpPr>
+      <p:grpSpPr>
+        <a:xfrm>
+          <a:off x="0" y="0"/>
+          <a:ext cx="0" cy="0"/>
+          <a:chOff x="0" y="0"/>
+          <a:chExt cx="0" cy="0"/>
+        </a:xfrm>
+      </p:grpSpPr>
+      <p:pic>
+        <p:nvPicPr>
+          <p:cNvPr descr="Telecom Customer Churn" id="7" name="slide7">
+            <a:extLst>
+              <a:ext uri="{FF2B5EF4-FFF2-40B4-BE49-F238E27FC236}">
+                <a16:creationId xmlns:a16="http://schemas.microsoft.com/office/drawing/2014/main" id="{DA6FEAE2-E353-4223-96DF-2F06876EDFCB}"/>
+              </a:ext>
+            </a:extLst>
+          </p:cNvPr>
+          <p:cNvPicPr>
+            <a:picLocks noChangeAspect="1"/>
+          </p:cNvPicPr>
+          <p:nvPr/>
+        </p:nvPicPr>
+        <p:blipFill>
+          <a:blip r:embed="rId12">
             <a:extLst>
               <a:ext uri="{28A0092B-C50C-407E-A947-70E740481C1C}">
                 <a14:useLocalDpi xmlns:a14="http://schemas.microsoft.com/office/drawing/2010/main" val="0"/>
